--- a/남유림/범용 레지스터 남유림.pptx
+++ b/남유림/범용 레지스터 남유림.pptx
@@ -333,7 +333,7 @@
           <a:p>
             <a:fld id="{7C01A145-AAAF-4731-87C3-F6DF57B7029A}" type="datetimeFigureOut">
               <a:rPr lang="ko-KR" altLang="en-US" smtClean="0"/>
-              <a:t>2018-04-03</a:t>
+              <a:t>2018-04-05</a:t>
             </a:fld>
             <a:endParaRPr lang="ko-KR" altLang="en-US"/>
           </a:p>
@@ -668,7 +668,7 @@
           <a:p>
             <a:fld id="{7C01A145-AAAF-4731-87C3-F6DF57B7029A}" type="datetimeFigureOut">
               <a:rPr lang="ko-KR" altLang="en-US" smtClean="0"/>
-              <a:t>2018-04-03</a:t>
+              <a:t>2018-04-05</a:t>
             </a:fld>
             <a:endParaRPr lang="ko-KR" altLang="en-US"/>
           </a:p>
@@ -971,7 +971,7 @@
           <a:p>
             <a:fld id="{7C01A145-AAAF-4731-87C3-F6DF57B7029A}" type="datetimeFigureOut">
               <a:rPr lang="ko-KR" altLang="en-US" smtClean="0"/>
-              <a:t>2018-04-03</a:t>
+              <a:t>2018-04-05</a:t>
             </a:fld>
             <a:endParaRPr lang="ko-KR" altLang="en-US"/>
           </a:p>
@@ -1219,7 +1219,7 @@
           <a:p>
             <a:fld id="{7C01A145-AAAF-4731-87C3-F6DF57B7029A}" type="datetimeFigureOut">
               <a:rPr lang="ko-KR" altLang="en-US" smtClean="0"/>
-              <a:t>2018-04-03</a:t>
+              <a:t>2018-04-05</a:t>
             </a:fld>
             <a:endParaRPr lang="ko-KR" altLang="en-US"/>
           </a:p>
@@ -1627,7 +1627,7 @@
           <a:p>
             <a:fld id="{7C01A145-AAAF-4731-87C3-F6DF57B7029A}" type="datetimeFigureOut">
               <a:rPr lang="ko-KR" altLang="en-US" smtClean="0"/>
-              <a:t>2018-04-03</a:t>
+              <a:t>2018-04-05</a:t>
             </a:fld>
             <a:endParaRPr lang="ko-KR" altLang="en-US"/>
           </a:p>
@@ -1942,7 +1942,7 @@
           <a:p>
             <a:fld id="{7C01A145-AAAF-4731-87C3-F6DF57B7029A}" type="datetimeFigureOut">
               <a:rPr lang="ko-KR" altLang="en-US" smtClean="0"/>
-              <a:t>2018-04-03</a:t>
+              <a:t>2018-04-05</a:t>
             </a:fld>
             <a:endParaRPr lang="ko-KR" altLang="en-US"/>
           </a:p>
@@ -2487,7 +2487,7 @@
           <a:p>
             <a:fld id="{7C01A145-AAAF-4731-87C3-F6DF57B7029A}" type="datetimeFigureOut">
               <a:rPr lang="ko-KR" altLang="en-US" smtClean="0"/>
-              <a:t>2018-04-03</a:t>
+              <a:t>2018-04-05</a:t>
             </a:fld>
             <a:endParaRPr lang="ko-KR" altLang="en-US"/>
           </a:p>
@@ -2683,7 +2683,7 @@
           <a:p>
             <a:fld id="{7C01A145-AAAF-4731-87C3-F6DF57B7029A}" type="datetimeFigureOut">
               <a:rPr lang="ko-KR" altLang="en-US" smtClean="0"/>
-              <a:t>2018-04-03</a:t>
+              <a:t>2018-04-05</a:t>
             </a:fld>
             <a:endParaRPr lang="ko-KR" altLang="en-US"/>
           </a:p>
@@ -2897,7 +2897,7 @@
           <a:p>
             <a:fld id="{7C01A145-AAAF-4731-87C3-F6DF57B7029A}" type="datetimeFigureOut">
               <a:rPr lang="ko-KR" altLang="en-US" smtClean="0"/>
-              <a:t>2018-04-03</a:t>
+              <a:t>2018-04-05</a:t>
             </a:fld>
             <a:endParaRPr lang="ko-KR" altLang="en-US"/>
           </a:p>
@@ -3267,7 +3267,7 @@
           <a:p>
             <a:fld id="{7C01A145-AAAF-4731-87C3-F6DF57B7029A}" type="datetimeFigureOut">
               <a:rPr lang="ko-KR" altLang="en-US" smtClean="0"/>
-              <a:t>2018-04-03</a:t>
+              <a:t>2018-04-05</a:t>
             </a:fld>
             <a:endParaRPr lang="ko-KR" altLang="en-US"/>
           </a:p>
@@ -3671,7 +3671,7 @@
           <a:p>
             <a:fld id="{7C01A145-AAAF-4731-87C3-F6DF57B7029A}" type="datetimeFigureOut">
               <a:rPr lang="ko-KR" altLang="en-US" smtClean="0"/>
-              <a:t>2018-04-03</a:t>
+              <a:t>2018-04-05</a:t>
             </a:fld>
             <a:endParaRPr lang="ko-KR" altLang="en-US"/>
           </a:p>
@@ -4010,7 +4010,7 @@
           <a:p>
             <a:fld id="{7C01A145-AAAF-4731-87C3-F6DF57B7029A}" type="datetimeFigureOut">
               <a:rPr lang="ko-KR" altLang="en-US" smtClean="0"/>
-              <a:t>2018-04-03</a:t>
+              <a:t>2018-04-05</a:t>
             </a:fld>
             <a:endParaRPr lang="ko-KR" altLang="en-US"/>
           </a:p>
@@ -5672,13 +5672,13 @@
   <p:clrMapOvr>
     <a:masterClrMapping/>
   </p:clrMapOvr>
-  <mc:AlternateContent xmlns:mc="http://schemas.openxmlformats.org/markup-compatibility/2006">
-    <mc:Choice xmlns:p159="http://schemas.microsoft.com/office/powerpoint/2015/09/main" Requires="p159">
+  <mc:AlternateContent xmlns:mc="http://schemas.openxmlformats.org/markup-compatibility/2006" xmlns:p159="http://schemas.microsoft.com/office/powerpoint/2015/09/main">
+    <mc:Choice Requires="p159">
       <p:transition xmlns:p14="http://schemas.microsoft.com/office/powerpoint/2010/main" spd="slow" p14:dur="2000">
         <p159:morph option="byWord"/>
       </p:transition>
     </mc:Choice>
-    <mc:Fallback>
+    <mc:Fallback xmlns="">
       <p:transition spd="slow">
         <p:fade/>
       </p:transition>
@@ -6231,13 +6231,13 @@
   <p:clrMapOvr>
     <a:masterClrMapping/>
   </p:clrMapOvr>
-  <mc:AlternateContent xmlns:mc="http://schemas.openxmlformats.org/markup-compatibility/2006">
-    <mc:Choice xmlns:p159="http://schemas.microsoft.com/office/powerpoint/2015/09/main" Requires="p159">
+  <mc:AlternateContent xmlns:mc="http://schemas.openxmlformats.org/markup-compatibility/2006" xmlns:p159="http://schemas.microsoft.com/office/powerpoint/2015/09/main">
+    <mc:Choice Requires="p159">
       <p:transition xmlns:p14="http://schemas.microsoft.com/office/powerpoint/2010/main" spd="slow" p14:dur="2000">
         <p159:morph option="byObject"/>
       </p:transition>
     </mc:Choice>
-    <mc:Fallback>
+    <mc:Fallback xmlns="">
       <p:transition spd="slow">
         <p:fade/>
       </p:transition>
@@ -6312,20 +6312,20 @@
             <p:ph idx="1"/>
             <p:extLst>
               <p:ext uri="{D42A27DB-BD31-4B8C-83A1-F6EECF244321}">
-                <p14:modId xmlns:p14="http://schemas.microsoft.com/office/powerpoint/2010/main" val="1296810603"/>
+                <p14:modId xmlns:p14="http://schemas.microsoft.com/office/powerpoint/2010/main" val="673284692"/>
               </p:ext>
             </p:extLst>
           </p:nvPr>
         </p:nvGraphicFramePr>
         <p:xfrm>
           <a:off x="2773927" y="2351566"/>
-          <a:ext cx="7796212" cy="3698378"/>
+          <a:ext cx="7796212" cy="3698379"/>
         </p:xfrm>
         <a:graphic>
           <a:graphicData uri="http://schemas.openxmlformats.org/drawingml/2006/table">
             <a:tbl>
               <a:tblPr firstRow="1" bandRow="1">
-                <a:tableStyleId>{5C22544A-7EE6-4342-B048-85BDC9FD1C3A}</a:tableStyleId>
+                <a:tableStyleId>{1FECB4D8-DB02-4DC6-A0A2-4F2EBAE1DC90}</a:tableStyleId>
               </a:tblPr>
               <a:tblGrid>
                 <a:gridCol w="1292200">
@@ -6343,7 +6343,7 @@
                   </a:extLst>
                 </a:gridCol>
               </a:tblGrid>
-              <a:tr h="322132">
+              <a:tr h="410931">
                 <a:tc>
                   <a:txBody>
                     <a:bodyPr/>
@@ -6378,7 +6378,7 @@
                   </a:ext>
                 </a:extLst>
               </a:tr>
-              <a:tr h="322132">
+              <a:tr h="410931">
                 <a:tc>
                   <a:txBody>
                     <a:bodyPr/>
@@ -6430,7 +6430,7 @@
                   </a:ext>
                 </a:extLst>
               </a:tr>
-              <a:tr h="322132">
+              <a:tr h="410931">
                 <a:tc>
                   <a:txBody>
                     <a:bodyPr/>
@@ -6479,7 +6479,7 @@
                   </a:ext>
                 </a:extLst>
               </a:tr>
-              <a:tr h="322132">
+              <a:tr h="410931">
                 <a:tc>
                   <a:txBody>
                     <a:bodyPr/>
@@ -6527,7 +6527,7 @@
                   </a:ext>
                 </a:extLst>
               </a:tr>
-              <a:tr h="322132">
+              <a:tr h="410931">
                 <a:tc>
                   <a:txBody>
                     <a:bodyPr/>
@@ -6563,7 +6563,7 @@
                   </a:ext>
                 </a:extLst>
               </a:tr>
-              <a:tr h="322132">
+              <a:tr h="410931">
                 <a:tc>
                   <a:txBody>
                     <a:bodyPr/>
@@ -6599,7 +6599,7 @@
                   </a:ext>
                 </a:extLst>
               </a:tr>
-              <a:tr h="322132">
+              <a:tr h="410931">
                 <a:tc>
                   <a:txBody>
                     <a:bodyPr/>
@@ -6643,7 +6643,7 @@
                   </a:ext>
                 </a:extLst>
               </a:tr>
-              <a:tr h="322132">
+              <a:tr h="410931">
                 <a:tc>
                   <a:txBody>
                     <a:bodyPr/>
@@ -6679,7 +6679,7 @@
                   </a:ext>
                 </a:extLst>
               </a:tr>
-              <a:tr h="772298">
+              <a:tr h="410931">
                 <a:tc>
                   <a:txBody>
                     <a:bodyPr/>
@@ -6729,13 +6729,13 @@
   <p:clrMapOvr>
     <a:masterClrMapping/>
   </p:clrMapOvr>
-  <mc:AlternateContent xmlns:mc="http://schemas.openxmlformats.org/markup-compatibility/2006">
-    <mc:Choice xmlns:p159="http://schemas.microsoft.com/office/powerpoint/2015/09/main" Requires="p159">
+  <mc:AlternateContent xmlns:mc="http://schemas.openxmlformats.org/markup-compatibility/2006" xmlns:p159="http://schemas.microsoft.com/office/powerpoint/2015/09/main">
+    <mc:Choice Requires="p159">
       <p:transition xmlns:p14="http://schemas.microsoft.com/office/powerpoint/2010/main" spd="slow" p14:dur="2000">
         <p159:morph option="byChar"/>
       </p:transition>
     </mc:Choice>
-    <mc:Fallback>
+    <mc:Fallback xmlns="">
       <p:transition spd="slow">
         <p:fade/>
       </p:transition>
@@ -6785,14 +6785,14 @@
         <a:srgbClr val="6D8583"/>
       </a:folHlink>
     </a:clrScheme>
-    <a:fontScheme name="메디슨">
+    <a:fontScheme name="Office">
       <a:majorFont>
-        <a:latin typeface="Arial" panose="020B0604020202020204"/>
+        <a:latin typeface="맑은 고딕" panose="020F0302020204030204"/>
         <a:ea typeface=""/>
         <a:cs typeface=""/>
-        <a:font script="Jpan" typeface="ＭＳ Ｐゴシック"/>
+        <a:font script="Jpan" typeface="游ゴシック Light"/>
         <a:font script="Hang" typeface="맑은 고딕"/>
-        <a:font script="Hans" typeface="宋体"/>
+        <a:font script="Hans" typeface="等线 Light"/>
         <a:font script="Hant" typeface="新細明體"/>
         <a:font script="Arab" typeface="Times New Roman"/>
         <a:font script="Hebr" typeface="Times New Roman"/>
@@ -6820,14 +6820,31 @@
         <a:font script="Viet" typeface="Times New Roman"/>
         <a:font script="Uigh" typeface="Microsoft Uighur"/>
         <a:font script="Geor" typeface="Sylfaen"/>
+        <a:font script="Armn" typeface="Arial"/>
+        <a:font script="Bugi" typeface="Leelawadee UI"/>
+        <a:font script="Bopo" typeface="Microsoft JhengHei"/>
+        <a:font script="Java" typeface="Javanese Text"/>
+        <a:font script="Lisu" typeface="Segoe UI"/>
+        <a:font script="Mymr" typeface="Myanmar Text"/>
+        <a:font script="Nkoo" typeface="Ebrima"/>
+        <a:font script="Olck" typeface="Nirmala UI"/>
+        <a:font script="Osma" typeface="Ebrima"/>
+        <a:font script="Phag" typeface="Phagspa"/>
+        <a:font script="Syrn" typeface="Estrangelo Edessa"/>
+        <a:font script="Syrj" typeface="Estrangelo Edessa"/>
+        <a:font script="Syre" typeface="Estrangelo Edessa"/>
+        <a:font script="Sora" typeface="Nirmala UI"/>
+        <a:font script="Tale" typeface="Microsoft Tai Le"/>
+        <a:font script="Talu" typeface="Microsoft New Tai Lue"/>
+        <a:font script="Tfng" typeface="Ebrima"/>
       </a:majorFont>
       <a:minorFont>
-        <a:latin typeface="Arial" panose="020B0604020202020204"/>
+        <a:latin typeface="맑은 고딕" panose="020F0502020204030204"/>
         <a:ea typeface=""/>
         <a:cs typeface=""/>
-        <a:font script="Jpan" typeface="ＭＳ Ｐゴシック"/>
+        <a:font script="Jpan" typeface="游ゴシック"/>
         <a:font script="Hang" typeface="맑은 고딕"/>
-        <a:font script="Hans" typeface="宋体"/>
+        <a:font script="Hans" typeface="等线"/>
         <a:font script="Hant" typeface="新細明體"/>
         <a:font script="Arab" typeface="Arial"/>
         <a:font script="Hebr" typeface="Arial"/>
@@ -6855,6 +6872,23 @@
         <a:font script="Viet" typeface="Arial"/>
         <a:font script="Uigh" typeface="Microsoft Uighur"/>
         <a:font script="Geor" typeface="Sylfaen"/>
+        <a:font script="Armn" typeface="Arial"/>
+        <a:font script="Bugi" typeface="Leelawadee UI"/>
+        <a:font script="Bopo" typeface="Microsoft JhengHei"/>
+        <a:font script="Java" typeface="Javanese Text"/>
+        <a:font script="Lisu" typeface="Segoe UI"/>
+        <a:font script="Mymr" typeface="Myanmar Text"/>
+        <a:font script="Nkoo" typeface="Ebrima"/>
+        <a:font script="Olck" typeface="Nirmala UI"/>
+        <a:font script="Osma" typeface="Ebrima"/>
+        <a:font script="Phag" typeface="Phagspa"/>
+        <a:font script="Syrn" typeface="Estrangelo Edessa"/>
+        <a:font script="Syrj" typeface="Estrangelo Edessa"/>
+        <a:font script="Syre" typeface="Estrangelo Edessa"/>
+        <a:font script="Sora" typeface="Nirmala UI"/>
+        <a:font script="Tale" typeface="Microsoft Tai Le"/>
+        <a:font script="Talu" typeface="Microsoft New Tai Lue"/>
+        <a:font script="Tfng" typeface="Ebrima"/>
       </a:minorFont>
     </a:fontScheme>
     <a:fmtScheme name="메디슨">
